--- a/SuperStore Dashboard.pptx
+++ b/SuperStore Dashboard.pptx
@@ -17,6 +17,7 @@
     <p:sldId id="265" r:id="rId11"/>
     <p:sldId id="266" r:id="rId12"/>
     <p:sldId id="268" r:id="rId13"/>
+    <p:sldId id="269" r:id="rId14"/>
   </p:sldIdLst>
   <p:sldSz cx="12192000" cy="6858000"/>
   <p:notesSz cx="6858000" cy="9144000"/>
@@ -173,7 +174,7 @@
           <a:noFill/>
           <a:extLst>
             <a:ext uri="{909E8E84-426E-40dd-AFC4-6F175D3DCCD1}">
-              <a14:hiddenFill xmlns="" xmlns:a14="http://schemas.microsoft.com/office/drawing/2010/main">
+              <a14:hiddenFill xmlns:a14="http://schemas.microsoft.com/office/drawing/2010/main" xmlns="">
                 <a:solidFill>
                   <a:srgbClr val="FFFFFF"/>
                 </a:solidFill>
@@ -233,7 +234,7 @@
             </a:ln>
             <a:extLst>
               <a:ext uri="{91240B29-F687-4f45-9708-019B960494DF}">
-                <a14:hiddenLine xmlns="" xmlns:a14="http://schemas.microsoft.com/office/drawing/2010/main" w="9525">
+                <a14:hiddenLine xmlns:a14="http://schemas.microsoft.com/office/drawing/2010/main" xmlns="" w="9525">
                   <a:solidFill>
                     <a:srgbClr val="000000"/>
                   </a:solidFill>
@@ -323,7 +324,7 @@
             </a:ln>
             <a:extLst>
               <a:ext uri="{91240B29-F687-4f45-9708-019B960494DF}">
-                <a14:hiddenLine xmlns="" xmlns:a14="http://schemas.microsoft.com/office/drawing/2010/main" w="9525">
+                <a14:hiddenLine xmlns:a14="http://schemas.microsoft.com/office/drawing/2010/main" xmlns="" w="9525">
                   <a:solidFill>
                     <a:srgbClr val="000000"/>
                   </a:solidFill>
@@ -413,7 +414,7 @@
             </a:ln>
             <a:extLst>
               <a:ext uri="{91240B29-F687-4f45-9708-019B960494DF}">
-                <a14:hiddenLine xmlns="" xmlns:a14="http://schemas.microsoft.com/office/drawing/2010/main" w="9525">
+                <a14:hiddenLine xmlns:a14="http://schemas.microsoft.com/office/drawing/2010/main" xmlns="" w="9525">
                   <a:solidFill>
                     <a:srgbClr val="000000"/>
                   </a:solidFill>
@@ -447,7 +448,7 @@
             </a:ln>
             <a:extLst>
               <a:ext uri="{91240B29-F687-4f45-9708-019B960494DF}">
-                <a14:hiddenLine xmlns="" xmlns:a14="http://schemas.microsoft.com/office/drawing/2010/main" w="9525">
+                <a14:hiddenLine xmlns:a14="http://schemas.microsoft.com/office/drawing/2010/main" xmlns="" w="9525">
                   <a:solidFill>
                     <a:srgbClr val="000000"/>
                   </a:solidFill>
@@ -537,7 +538,7 @@
             </a:ln>
             <a:extLst>
               <a:ext uri="{91240B29-F687-4f45-9708-019B960494DF}">
-                <a14:hiddenLine xmlns="" xmlns:a14="http://schemas.microsoft.com/office/drawing/2010/main" w="9525">
+                <a14:hiddenLine xmlns:a14="http://schemas.microsoft.com/office/drawing/2010/main" xmlns="" w="9525">
                   <a:solidFill>
                     <a:srgbClr val="000000"/>
                   </a:solidFill>
@@ -599,7 +600,7 @@
             </a:ln>
             <a:extLst>
               <a:ext uri="{91240B29-F687-4f45-9708-019B960494DF}">
-                <a14:hiddenLine xmlns="" xmlns:a14="http://schemas.microsoft.com/office/drawing/2010/main" w="9525">
+                <a14:hiddenLine xmlns:a14="http://schemas.microsoft.com/office/drawing/2010/main" xmlns="" w="9525">
                   <a:solidFill>
                     <a:srgbClr val="000000"/>
                   </a:solidFill>
@@ -661,7 +662,7 @@
             </a:ln>
             <a:extLst>
               <a:ext uri="{91240B29-F687-4f45-9708-019B960494DF}">
-                <a14:hiddenLine xmlns="" xmlns:a14="http://schemas.microsoft.com/office/drawing/2010/main" w="9525">
+                <a14:hiddenLine xmlns:a14="http://schemas.microsoft.com/office/drawing/2010/main" xmlns="" w="9525">
                   <a:solidFill>
                     <a:srgbClr val="000000"/>
                   </a:solidFill>
@@ -751,7 +752,7 @@
             </a:ln>
             <a:extLst>
               <a:ext uri="{91240B29-F687-4f45-9708-019B960494DF}">
-                <a14:hiddenLine xmlns="" xmlns:a14="http://schemas.microsoft.com/office/drawing/2010/main" w="9525">
+                <a14:hiddenLine xmlns:a14="http://schemas.microsoft.com/office/drawing/2010/main" xmlns="" w="9525">
                   <a:solidFill>
                     <a:srgbClr val="000000"/>
                   </a:solidFill>
@@ -813,7 +814,7 @@
             </a:ln>
             <a:extLst>
               <a:ext uri="{91240B29-F687-4f45-9708-019B960494DF}">
-                <a14:hiddenLine xmlns="" xmlns:a14="http://schemas.microsoft.com/office/drawing/2010/main" w="9525">
+                <a14:hiddenLine xmlns:a14="http://schemas.microsoft.com/office/drawing/2010/main" xmlns="" w="9525">
                   <a:solidFill>
                     <a:srgbClr val="000000"/>
                   </a:solidFill>
@@ -875,7 +876,7 @@
             </a:ln>
             <a:extLst>
               <a:ext uri="{91240B29-F687-4f45-9708-019B960494DF}">
-                <a14:hiddenLine xmlns="" xmlns:a14="http://schemas.microsoft.com/office/drawing/2010/main" w="9525">
+                <a14:hiddenLine xmlns:a14="http://schemas.microsoft.com/office/drawing/2010/main" xmlns="" w="9525">
                   <a:solidFill>
                     <a:srgbClr val="000000"/>
                   </a:solidFill>
@@ -965,7 +966,7 @@
             </a:ln>
             <a:extLst>
               <a:ext uri="{91240B29-F687-4f45-9708-019B960494DF}">
-                <a14:hiddenLine xmlns="" xmlns:a14="http://schemas.microsoft.com/office/drawing/2010/main" w="9525">
+                <a14:hiddenLine xmlns:a14="http://schemas.microsoft.com/office/drawing/2010/main" xmlns="" w="9525">
                   <a:solidFill>
                     <a:srgbClr val="000000"/>
                   </a:solidFill>
@@ -1055,7 +1056,7 @@
             </a:ln>
             <a:extLst>
               <a:ext uri="{91240B29-F687-4f45-9708-019B960494DF}">
-                <a14:hiddenLine xmlns="" xmlns:a14="http://schemas.microsoft.com/office/drawing/2010/main" w="9525">
+                <a14:hiddenLine xmlns:a14="http://schemas.microsoft.com/office/drawing/2010/main" xmlns="" w="9525">
                   <a:solidFill>
                     <a:srgbClr val="000000"/>
                   </a:solidFill>
@@ -1117,7 +1118,7 @@
             </a:ln>
             <a:extLst>
               <a:ext uri="{91240B29-F687-4f45-9708-019B960494DF}">
-                <a14:hiddenLine xmlns="" xmlns:a14="http://schemas.microsoft.com/office/drawing/2010/main" w="9525">
+                <a14:hiddenLine xmlns:a14="http://schemas.microsoft.com/office/drawing/2010/main" xmlns="" w="9525">
                   <a:solidFill>
                     <a:srgbClr val="000000"/>
                   </a:solidFill>
@@ -1227,7 +1228,7 @@
             </a:ln>
             <a:extLst>
               <a:ext uri="{91240B29-F687-4f45-9708-019B960494DF}">
-                <a14:hiddenLine xmlns="" xmlns:a14="http://schemas.microsoft.com/office/drawing/2010/main" w="9525">
+                <a14:hiddenLine xmlns:a14="http://schemas.microsoft.com/office/drawing/2010/main" xmlns="" w="9525">
                   <a:solidFill>
                     <a:srgbClr val="000000"/>
                   </a:solidFill>
@@ -1289,7 +1290,7 @@
             </a:ln>
             <a:extLst>
               <a:ext uri="{91240B29-F687-4f45-9708-019B960494DF}">
-                <a14:hiddenLine xmlns="" xmlns:a14="http://schemas.microsoft.com/office/drawing/2010/main" w="9525">
+                <a14:hiddenLine xmlns:a14="http://schemas.microsoft.com/office/drawing/2010/main" xmlns="" w="9525">
                   <a:solidFill>
                     <a:srgbClr val="000000"/>
                   </a:solidFill>
@@ -1379,7 +1380,7 @@
             </a:ln>
             <a:extLst>
               <a:ext uri="{91240B29-F687-4f45-9708-019B960494DF}">
-                <a14:hiddenLine xmlns="" xmlns:a14="http://schemas.microsoft.com/office/drawing/2010/main" w="9525">
+                <a14:hiddenLine xmlns:a14="http://schemas.microsoft.com/office/drawing/2010/main" xmlns="" w="9525">
                   <a:solidFill>
                     <a:srgbClr val="000000"/>
                   </a:solidFill>
@@ -1469,7 +1470,7 @@
             </a:ln>
             <a:extLst>
               <a:ext uri="{91240B29-F687-4f45-9708-019B960494DF}">
-                <a14:hiddenLine xmlns="" xmlns:a14="http://schemas.microsoft.com/office/drawing/2010/main" w="9525">
+                <a14:hiddenLine xmlns:a14="http://schemas.microsoft.com/office/drawing/2010/main" xmlns="" w="9525">
                   <a:solidFill>
                     <a:srgbClr val="000000"/>
                   </a:solidFill>
@@ -1531,7 +1532,7 @@
             </a:ln>
             <a:extLst>
               <a:ext uri="{91240B29-F687-4f45-9708-019B960494DF}">
-                <a14:hiddenLine xmlns="" xmlns:a14="http://schemas.microsoft.com/office/drawing/2010/main" w="9525">
+                <a14:hiddenLine xmlns:a14="http://schemas.microsoft.com/office/drawing/2010/main" xmlns="" w="9525">
                   <a:solidFill>
                     <a:srgbClr val="000000"/>
                   </a:solidFill>
@@ -1621,7 +1622,7 @@
             </a:ln>
             <a:extLst>
               <a:ext uri="{91240B29-F687-4f45-9708-019B960494DF}">
-                <a14:hiddenLine xmlns="" xmlns:a14="http://schemas.microsoft.com/office/drawing/2010/main" w="9525">
+                <a14:hiddenLine xmlns:a14="http://schemas.microsoft.com/office/drawing/2010/main" xmlns="" w="9525">
                   <a:solidFill>
                     <a:srgbClr val="000000"/>
                   </a:solidFill>
@@ -1711,7 +1712,7 @@
             </a:ln>
             <a:extLst>
               <a:ext uri="{91240B29-F687-4f45-9708-019B960494DF}">
-                <a14:hiddenLine xmlns="" xmlns:a14="http://schemas.microsoft.com/office/drawing/2010/main" w="9525">
+                <a14:hiddenLine xmlns:a14="http://schemas.microsoft.com/office/drawing/2010/main" xmlns="" w="9525">
                   <a:solidFill>
                     <a:srgbClr val="000000"/>
                   </a:solidFill>
@@ -1767,7 +1768,7 @@
             </a:ln>
             <a:extLst>
               <a:ext uri="{91240B29-F687-4f45-9708-019B960494DF}">
-                <a14:hiddenLine xmlns="" xmlns:a14="http://schemas.microsoft.com/office/drawing/2010/main" w="9525">
+                <a14:hiddenLine xmlns:a14="http://schemas.microsoft.com/office/drawing/2010/main" xmlns="" w="9525">
                   <a:solidFill>
                     <a:srgbClr val="000000"/>
                   </a:solidFill>
@@ -1857,7 +1858,7 @@
             </a:ln>
             <a:extLst>
               <a:ext uri="{91240B29-F687-4f45-9708-019B960494DF}">
-                <a14:hiddenLine xmlns="" xmlns:a14="http://schemas.microsoft.com/office/drawing/2010/main" w="9525">
+                <a14:hiddenLine xmlns:a14="http://schemas.microsoft.com/office/drawing/2010/main" xmlns="" w="9525">
                   <a:solidFill>
                     <a:srgbClr val="000000"/>
                   </a:solidFill>
@@ -1913,7 +1914,7 @@
             </a:ln>
             <a:extLst>
               <a:ext uri="{91240B29-F687-4f45-9708-019B960494DF}">
-                <a14:hiddenLine xmlns="" xmlns:a14="http://schemas.microsoft.com/office/drawing/2010/main" w="9525">
+                <a14:hiddenLine xmlns:a14="http://schemas.microsoft.com/office/drawing/2010/main" xmlns="" w="9525">
                   <a:solidFill>
                     <a:srgbClr val="000000"/>
                   </a:solidFill>
@@ -2003,7 +2004,7 @@
             </a:ln>
             <a:extLst>
               <a:ext uri="{91240B29-F687-4f45-9708-019B960494DF}">
-                <a14:hiddenLine xmlns="" xmlns:a14="http://schemas.microsoft.com/office/drawing/2010/main" w="9525">
+                <a14:hiddenLine xmlns:a14="http://schemas.microsoft.com/office/drawing/2010/main" xmlns="" w="9525">
                   <a:solidFill>
                     <a:srgbClr val="000000"/>
                   </a:solidFill>
@@ -2071,7 +2072,7 @@
             </a:ln>
             <a:extLst>
               <a:ext uri="{91240B29-F687-4f45-9708-019B960494DF}">
-                <a14:hiddenLine xmlns="" xmlns:a14="http://schemas.microsoft.com/office/drawing/2010/main" w="9525">
+                <a14:hiddenLine xmlns:a14="http://schemas.microsoft.com/office/drawing/2010/main" xmlns="" w="9525">
                   <a:solidFill>
                     <a:srgbClr val="000000"/>
                   </a:solidFill>
@@ -2161,7 +2162,7 @@
             </a:ln>
             <a:extLst>
               <a:ext uri="{91240B29-F687-4f45-9708-019B960494DF}">
-                <a14:hiddenLine xmlns="" xmlns:a14="http://schemas.microsoft.com/office/drawing/2010/main" w="9525">
+                <a14:hiddenLine xmlns:a14="http://schemas.microsoft.com/office/drawing/2010/main" xmlns="" w="9525">
                   <a:solidFill>
                     <a:srgbClr val="000000"/>
                   </a:solidFill>
@@ -2229,7 +2230,7 @@
             </a:ln>
             <a:extLst>
               <a:ext uri="{91240B29-F687-4f45-9708-019B960494DF}">
-                <a14:hiddenLine xmlns="" xmlns:a14="http://schemas.microsoft.com/office/drawing/2010/main" w="9525">
+                <a14:hiddenLine xmlns:a14="http://schemas.microsoft.com/office/drawing/2010/main" xmlns="" w="9525">
                   <a:solidFill>
                     <a:srgbClr val="000000"/>
                   </a:solidFill>
@@ -2319,7 +2320,7 @@
             </a:ln>
             <a:extLst>
               <a:ext uri="{91240B29-F687-4f45-9708-019B960494DF}">
-                <a14:hiddenLine xmlns="" xmlns:a14="http://schemas.microsoft.com/office/drawing/2010/main" w="9525">
+                <a14:hiddenLine xmlns:a14="http://schemas.microsoft.com/office/drawing/2010/main" xmlns="" w="9525">
                   <a:solidFill>
                     <a:srgbClr val="000000"/>
                   </a:solidFill>
@@ -2353,7 +2354,7 @@
             </a:ln>
             <a:extLst>
               <a:ext uri="{91240B29-F687-4f45-9708-019B960494DF}">
-                <a14:hiddenLine xmlns="" xmlns:a14="http://schemas.microsoft.com/office/drawing/2010/main" w="9525">
+                <a14:hiddenLine xmlns:a14="http://schemas.microsoft.com/office/drawing/2010/main" xmlns="" w="9525">
                   <a:solidFill>
                     <a:srgbClr val="000000"/>
                   </a:solidFill>
@@ -2443,7 +2444,7 @@
             </a:ln>
             <a:extLst>
               <a:ext uri="{91240B29-F687-4f45-9708-019B960494DF}">
-                <a14:hiddenLine xmlns="" xmlns:a14="http://schemas.microsoft.com/office/drawing/2010/main" w="9525">
+                <a14:hiddenLine xmlns:a14="http://schemas.microsoft.com/office/drawing/2010/main" xmlns="" w="9525">
                   <a:solidFill>
                     <a:srgbClr val="000000"/>
                   </a:solidFill>
@@ -2505,7 +2506,7 @@
             </a:ln>
             <a:extLst>
               <a:ext uri="{91240B29-F687-4f45-9708-019B960494DF}">
-                <a14:hiddenLine xmlns="" xmlns:a14="http://schemas.microsoft.com/office/drawing/2010/main" w="9525">
+                <a14:hiddenLine xmlns:a14="http://schemas.microsoft.com/office/drawing/2010/main" xmlns="" w="9525">
                   <a:solidFill>
                     <a:srgbClr val="000000"/>
                   </a:solidFill>
@@ -2567,7 +2568,7 @@
             </a:ln>
             <a:extLst>
               <a:ext uri="{91240B29-F687-4f45-9708-019B960494DF}">
-                <a14:hiddenLine xmlns="" xmlns:a14="http://schemas.microsoft.com/office/drawing/2010/main" w="9525">
+                <a14:hiddenLine xmlns:a14="http://schemas.microsoft.com/office/drawing/2010/main" xmlns="" w="9525">
                   <a:solidFill>
                     <a:srgbClr val="000000"/>
                   </a:solidFill>
@@ -2657,7 +2658,7 @@
             </a:ln>
             <a:extLst>
               <a:ext uri="{91240B29-F687-4f45-9708-019B960494DF}">
-                <a14:hiddenLine xmlns="" xmlns:a14="http://schemas.microsoft.com/office/drawing/2010/main" w="9525">
+                <a14:hiddenLine xmlns:a14="http://schemas.microsoft.com/office/drawing/2010/main" xmlns="" w="9525">
                   <a:solidFill>
                     <a:srgbClr val="000000"/>
                   </a:solidFill>
@@ -2725,7 +2726,7 @@
             </a:ln>
             <a:extLst>
               <a:ext uri="{91240B29-F687-4f45-9708-019B960494DF}">
-                <a14:hiddenLine xmlns="" xmlns:a14="http://schemas.microsoft.com/office/drawing/2010/main" w="9525">
+                <a14:hiddenLine xmlns:a14="http://schemas.microsoft.com/office/drawing/2010/main" xmlns="" w="9525">
                   <a:solidFill>
                     <a:srgbClr val="000000"/>
                   </a:solidFill>
@@ -2787,7 +2788,7 @@
             </a:ln>
             <a:extLst>
               <a:ext uri="{91240B29-F687-4f45-9708-019B960494DF}">
-                <a14:hiddenLine xmlns="" xmlns:a14="http://schemas.microsoft.com/office/drawing/2010/main" w="9525">
+                <a14:hiddenLine xmlns:a14="http://schemas.microsoft.com/office/drawing/2010/main" xmlns="" w="9525">
                   <a:solidFill>
                     <a:srgbClr val="000000"/>
                   </a:solidFill>
@@ -2877,7 +2878,7 @@
             </a:ln>
             <a:extLst>
               <a:ext uri="{91240B29-F687-4f45-9708-019B960494DF}">
-                <a14:hiddenLine xmlns="" xmlns:a14="http://schemas.microsoft.com/office/drawing/2010/main" w="9525">
+                <a14:hiddenLine xmlns:a14="http://schemas.microsoft.com/office/drawing/2010/main" xmlns="" w="9525">
                   <a:solidFill>
                     <a:srgbClr val="000000"/>
                   </a:solidFill>
@@ -2939,7 +2940,7 @@
             </a:ln>
             <a:extLst>
               <a:ext uri="{91240B29-F687-4f45-9708-019B960494DF}">
-                <a14:hiddenLine xmlns="" xmlns:a14="http://schemas.microsoft.com/office/drawing/2010/main" w="9525">
+                <a14:hiddenLine xmlns:a14="http://schemas.microsoft.com/office/drawing/2010/main" xmlns="" w="9525">
                   <a:solidFill>
                     <a:srgbClr val="000000"/>
                   </a:solidFill>
@@ -3029,7 +3030,7 @@
             </a:ln>
             <a:extLst>
               <a:ext uri="{91240B29-F687-4f45-9708-019B960494DF}">
-                <a14:hiddenLine xmlns="" xmlns:a14="http://schemas.microsoft.com/office/drawing/2010/main" w="9525">
+                <a14:hiddenLine xmlns:a14="http://schemas.microsoft.com/office/drawing/2010/main" xmlns="" w="9525">
                   <a:solidFill>
                     <a:srgbClr val="000000"/>
                   </a:solidFill>
@@ -3091,7 +3092,7 @@
             </a:ln>
             <a:extLst>
               <a:ext uri="{91240B29-F687-4f45-9708-019B960494DF}">
-                <a14:hiddenLine xmlns="" xmlns:a14="http://schemas.microsoft.com/office/drawing/2010/main" w="9525">
+                <a14:hiddenLine xmlns:a14="http://schemas.microsoft.com/office/drawing/2010/main" xmlns="" w="9525">
                   <a:solidFill>
                     <a:srgbClr val="000000"/>
                   </a:solidFill>
@@ -3181,7 +3182,7 @@
             </a:ln>
             <a:extLst>
               <a:ext uri="{91240B29-F687-4f45-9708-019B960494DF}">
-                <a14:hiddenLine xmlns="" xmlns:a14="http://schemas.microsoft.com/office/drawing/2010/main" w="9525">
+                <a14:hiddenLine xmlns:a14="http://schemas.microsoft.com/office/drawing/2010/main" xmlns="" w="9525">
                   <a:solidFill>
                     <a:srgbClr val="000000"/>
                   </a:solidFill>
@@ -3215,7 +3216,7 @@
             </a:ln>
             <a:extLst>
               <a:ext uri="{91240B29-F687-4f45-9708-019B960494DF}">
-                <a14:hiddenLine xmlns="" xmlns:a14="http://schemas.microsoft.com/office/drawing/2010/main" w="9525">
+                <a14:hiddenLine xmlns:a14="http://schemas.microsoft.com/office/drawing/2010/main" xmlns="" w="9525">
                   <a:solidFill>
                     <a:srgbClr val="000000"/>
                   </a:solidFill>
@@ -3280,7 +3281,7 @@
             </a:ln>
             <a:extLst>
               <a:ext uri="{91240B29-F687-4f45-9708-019B960494DF}">
-                <a14:hiddenLine xmlns="" xmlns:a14="http://schemas.microsoft.com/office/drawing/2010/main" w="9525">
+                <a14:hiddenLine xmlns:a14="http://schemas.microsoft.com/office/drawing/2010/main" xmlns="" w="9525">
                   <a:solidFill>
                     <a:srgbClr val="000000"/>
                   </a:solidFill>
@@ -3370,7 +3371,7 @@
             </a:ln>
             <a:extLst>
               <a:ext uri="{91240B29-F687-4f45-9708-019B960494DF}">
-                <a14:hiddenLine xmlns="" xmlns:a14="http://schemas.microsoft.com/office/drawing/2010/main" w="9525">
+                <a14:hiddenLine xmlns:a14="http://schemas.microsoft.com/office/drawing/2010/main" xmlns="" w="9525">
                   <a:solidFill>
                     <a:srgbClr val="000000"/>
                   </a:solidFill>
@@ -3432,7 +3433,7 @@
             </a:ln>
             <a:extLst>
               <a:ext uri="{91240B29-F687-4f45-9708-019B960494DF}">
-                <a14:hiddenLine xmlns="" xmlns:a14="http://schemas.microsoft.com/office/drawing/2010/main" w="9525">
+                <a14:hiddenLine xmlns:a14="http://schemas.microsoft.com/office/drawing/2010/main" xmlns="" w="9525">
                   <a:solidFill>
                     <a:srgbClr val="000000"/>
                   </a:solidFill>
@@ -3522,7 +3523,7 @@
             </a:ln>
             <a:extLst>
               <a:ext uri="{91240B29-F687-4f45-9708-019B960494DF}">
-                <a14:hiddenLine xmlns="" xmlns:a14="http://schemas.microsoft.com/office/drawing/2010/main" w="9525">
+                <a14:hiddenLine xmlns:a14="http://schemas.microsoft.com/office/drawing/2010/main" xmlns="" w="9525">
                   <a:solidFill>
                     <a:srgbClr val="000000"/>
                   </a:solidFill>
@@ -3612,7 +3613,7 @@
             </a:ln>
             <a:extLst>
               <a:ext uri="{91240B29-F687-4f45-9708-019B960494DF}">
-                <a14:hiddenLine xmlns="" xmlns:a14="http://schemas.microsoft.com/office/drawing/2010/main" w="9525">
+                <a14:hiddenLine xmlns:a14="http://schemas.microsoft.com/office/drawing/2010/main" xmlns="" w="9525">
                   <a:solidFill>
                     <a:srgbClr val="000000"/>
                   </a:solidFill>
@@ -3677,7 +3678,7 @@
             </a:ln>
             <a:extLst>
               <a:ext uri="{91240B29-F687-4f45-9708-019B960494DF}">
-                <a14:hiddenLine xmlns="" xmlns:a14="http://schemas.microsoft.com/office/drawing/2010/main" w="9525">
+                <a14:hiddenLine xmlns:a14="http://schemas.microsoft.com/office/drawing/2010/main" xmlns="" w="9525">
                   <a:solidFill>
                     <a:srgbClr val="000000"/>
                   </a:solidFill>
@@ -3739,7 +3740,7 @@
             </a:ln>
             <a:extLst>
               <a:ext uri="{91240B29-F687-4f45-9708-019B960494DF}">
-                <a14:hiddenLine xmlns="" xmlns:a14="http://schemas.microsoft.com/office/drawing/2010/main" w="9525">
+                <a14:hiddenLine xmlns:a14="http://schemas.microsoft.com/office/drawing/2010/main" xmlns="" w="9525">
                   <a:solidFill>
                     <a:srgbClr val="000000"/>
                   </a:solidFill>
@@ -3829,7 +3830,7 @@
             </a:ln>
             <a:extLst>
               <a:ext uri="{91240B29-F687-4f45-9708-019B960494DF}">
-                <a14:hiddenLine xmlns="" xmlns:a14="http://schemas.microsoft.com/office/drawing/2010/main" w="9525">
+                <a14:hiddenLine xmlns:a14="http://schemas.microsoft.com/office/drawing/2010/main" xmlns="" w="9525">
                   <a:solidFill>
                     <a:srgbClr val="000000"/>
                   </a:solidFill>
@@ -3919,7 +3920,7 @@
             </a:ln>
             <a:extLst>
               <a:ext uri="{91240B29-F687-4f45-9708-019B960494DF}">
-                <a14:hiddenLine xmlns="" xmlns:a14="http://schemas.microsoft.com/office/drawing/2010/main" w="9525">
+                <a14:hiddenLine xmlns:a14="http://schemas.microsoft.com/office/drawing/2010/main" xmlns="" w="9525">
                   <a:solidFill>
                     <a:srgbClr val="000000"/>
                   </a:solidFill>
@@ -3981,7 +3982,7 @@
             </a:ln>
             <a:extLst>
               <a:ext uri="{91240B29-F687-4f45-9708-019B960494DF}">
-                <a14:hiddenLine xmlns="" xmlns:a14="http://schemas.microsoft.com/office/drawing/2010/main" w="9525">
+                <a14:hiddenLine xmlns:a14="http://schemas.microsoft.com/office/drawing/2010/main" xmlns="" w="9525">
                   <a:solidFill>
                     <a:srgbClr val="000000"/>
                   </a:solidFill>
@@ -4101,7 +4102,7 @@
             </a:ln>
             <a:extLst>
               <a:ext uri="{91240B29-F687-4f45-9708-019B960494DF}">
-                <a14:hiddenLine xmlns="" xmlns:a14="http://schemas.microsoft.com/office/drawing/2010/main" w="9525">
+                <a14:hiddenLine xmlns:a14="http://schemas.microsoft.com/office/drawing/2010/main" xmlns="" w="9525">
                   <a:solidFill>
                     <a:srgbClr val="000000"/>
                   </a:solidFill>
@@ -4169,7 +4170,7 @@
             </a:ln>
             <a:extLst>
               <a:ext uri="{91240B29-F687-4f45-9708-019B960494DF}">
-                <a14:hiddenLine xmlns="" xmlns:a14="http://schemas.microsoft.com/office/drawing/2010/main" w="9525">
+                <a14:hiddenLine xmlns:a14="http://schemas.microsoft.com/office/drawing/2010/main" xmlns="" w="9525">
                   <a:solidFill>
                     <a:srgbClr val="000000"/>
                   </a:solidFill>
@@ -4259,7 +4260,7 @@
             </a:ln>
             <a:extLst>
               <a:ext uri="{91240B29-F687-4f45-9708-019B960494DF}">
-                <a14:hiddenLine xmlns="" xmlns:a14="http://schemas.microsoft.com/office/drawing/2010/main" w="9525">
+                <a14:hiddenLine xmlns:a14="http://schemas.microsoft.com/office/drawing/2010/main" xmlns="" w="9525">
                   <a:solidFill>
                     <a:srgbClr val="000000"/>
                   </a:solidFill>
@@ -4399,7 +4400,7 @@
           <a:p>
             <a:fld id="{48A87A34-81AB-432B-8DAE-1953F412C126}" type="datetimeFigureOut">
               <a:rPr lang="en-US"/>
-              <a:t>8/18/2024</a:t>
+              <a:t>9/2/2024</a:t>
             </a:fld>
             <a:endParaRPr lang="en-US"/>
           </a:p>
@@ -4660,7 +4661,7 @@
           <a:p>
             <a:fld id="{48A87A34-81AB-432B-8DAE-1953F412C126}" type="datetimeFigureOut">
               <a:rPr lang="en-US"/>
-              <a:t>8/18/2024</a:t>
+              <a:t>9/2/2024</a:t>
             </a:fld>
             <a:endParaRPr lang="en-US"/>
           </a:p>
@@ -4851,7 +4852,7 @@
           <a:p>
             <a:fld id="{48A87A34-81AB-432B-8DAE-1953F412C126}" type="datetimeFigureOut">
               <a:rPr lang="en-US"/>
-              <a:t>8/18/2024</a:t>
+              <a:t>9/2/2024</a:t>
             </a:fld>
             <a:endParaRPr lang="en-US"/>
           </a:p>
@@ -5109,7 +5110,7 @@
           <a:p>
             <a:fld id="{48A87A34-81AB-432B-8DAE-1953F412C126}" type="datetimeFigureOut">
               <a:rPr lang="en-US"/>
-              <a:t>8/18/2024</a:t>
+              <a:t>9/2/2024</a:t>
             </a:fld>
             <a:endParaRPr lang="en-US"/>
           </a:p>
@@ -5538,7 +5539,7 @@
           <a:p>
             <a:fld id="{48A87A34-81AB-432B-8DAE-1953F412C126}" type="datetimeFigureOut">
               <a:rPr lang="en-US"/>
-              <a:t>8/18/2024</a:t>
+              <a:t>9/2/2024</a:t>
             </a:fld>
             <a:endParaRPr lang="en-US"/>
           </a:p>
@@ -6079,7 +6080,7 @@
           <a:p>
             <a:fld id="{48A87A34-81AB-432B-8DAE-1953F412C126}" type="datetimeFigureOut">
               <a:rPr lang="en-US"/>
-              <a:t>8/18/2024</a:t>
+              <a:t>9/2/2024</a:t>
             </a:fld>
             <a:endParaRPr lang="en-US"/>
           </a:p>
@@ -6791,7 +6792,7 @@
           <a:p>
             <a:fld id="{48A87A34-81AB-432B-8DAE-1953F412C126}" type="datetimeFigureOut">
               <a:rPr lang="en-US"/>
-              <a:t>8/18/2024</a:t>
+              <a:t>9/2/2024</a:t>
             </a:fld>
             <a:endParaRPr lang="en-US"/>
           </a:p>
@@ -6956,7 +6957,7 @@
           <a:p>
             <a:fld id="{48A87A34-81AB-432B-8DAE-1953F412C126}" type="datetimeFigureOut">
               <a:rPr lang="en-US"/>
-              <a:t>8/18/2024</a:t>
+              <a:t>9/2/2024</a:t>
             </a:fld>
             <a:endParaRPr lang="en-US"/>
           </a:p>
@@ -7131,7 +7132,7 @@
           <a:p>
             <a:fld id="{48A87A34-81AB-432B-8DAE-1953F412C126}" type="datetimeFigureOut">
               <a:rPr lang="en-US"/>
-              <a:t>8/18/2024</a:t>
+              <a:t>9/2/2024</a:t>
             </a:fld>
             <a:endParaRPr lang="en-US"/>
           </a:p>
@@ -7296,7 +7297,7 @@
           <a:p>
             <a:fld id="{48A87A34-81AB-432B-8DAE-1953F412C126}" type="datetimeFigureOut">
               <a:rPr lang="en-US"/>
-              <a:t>8/18/2024</a:t>
+              <a:t>9/2/2024</a:t>
             </a:fld>
             <a:endParaRPr lang="en-US"/>
           </a:p>
@@ -7541,7 +7542,7 @@
           <a:p>
             <a:fld id="{48A87A34-81AB-432B-8DAE-1953F412C126}" type="datetimeFigureOut">
               <a:rPr lang="en-US"/>
-              <a:t>8/18/2024</a:t>
+              <a:t>9/2/2024</a:t>
             </a:fld>
             <a:endParaRPr lang="en-US"/>
           </a:p>
@@ -7768,7 +7769,7 @@
           <a:p>
             <a:fld id="{48A87A34-81AB-432B-8DAE-1953F412C126}" type="datetimeFigureOut">
               <a:rPr lang="en-US"/>
-              <a:t>8/18/2024</a:t>
+              <a:t>9/2/2024</a:t>
             </a:fld>
             <a:endParaRPr lang="en-US"/>
           </a:p>
@@ -8144,7 +8145,7 @@
           <a:p>
             <a:fld id="{48A87A34-81AB-432B-8DAE-1953F412C126}" type="datetimeFigureOut">
               <a:rPr lang="en-US"/>
-              <a:t>8/18/2024</a:t>
+              <a:t>9/2/2024</a:t>
             </a:fld>
             <a:endParaRPr lang="en-US"/>
           </a:p>
@@ -8257,7 +8258,7 @@
           <a:p>
             <a:fld id="{48A87A34-81AB-432B-8DAE-1953F412C126}" type="datetimeFigureOut">
               <a:rPr lang="en-US"/>
-              <a:t>8/18/2024</a:t>
+              <a:t>9/2/2024</a:t>
             </a:fld>
             <a:endParaRPr lang="en-US"/>
           </a:p>
@@ -8347,7 +8348,7 @@
           <a:p>
             <a:fld id="{48A87A34-81AB-432B-8DAE-1953F412C126}" type="datetimeFigureOut">
               <a:rPr lang="en-US"/>
-              <a:t>8/18/2024</a:t>
+              <a:t>9/2/2024</a:t>
             </a:fld>
             <a:endParaRPr lang="en-US"/>
           </a:p>
@@ -8591,7 +8592,7 @@
           <a:p>
             <a:fld id="{48A87A34-81AB-432B-8DAE-1953F412C126}" type="datetimeFigureOut">
               <a:rPr lang="en-US"/>
-              <a:t>8/18/2024</a:t>
+              <a:t>9/2/2024</a:t>
             </a:fld>
             <a:endParaRPr lang="en-US"/>
           </a:p>
@@ -8865,7 +8866,7 @@
           <a:p>
             <a:fld id="{48A87A34-81AB-432B-8DAE-1953F412C126}" type="datetimeFigureOut">
               <a:rPr lang="en-US"/>
-              <a:t>8/18/2024</a:t>
+              <a:t>9/2/2024</a:t>
             </a:fld>
             <a:endParaRPr lang="en-US"/>
           </a:p>
@@ -8976,7 +8977,7 @@
           <a:noFill/>
           <a:extLst>
             <a:ext uri="{909E8E84-426E-40dd-AFC4-6F175D3DCCD1}">
-              <a14:hiddenFill xmlns="" xmlns:a14="http://schemas.microsoft.com/office/drawing/2010/main">
+              <a14:hiddenFill xmlns:a14="http://schemas.microsoft.com/office/drawing/2010/main" xmlns="">
                 <a:solidFill>
                   <a:srgbClr val="FFFFFF"/>
                 </a:solidFill>
@@ -9050,7 +9051,7 @@
               </a:ln>
               <a:extLst>
                 <a:ext uri="{91240B29-F687-4f45-9708-019B960494DF}">
-                  <a14:hiddenLine xmlns="" xmlns:a14="http://schemas.microsoft.com/office/drawing/2010/main" w="9525">
+                  <a14:hiddenLine xmlns:a14="http://schemas.microsoft.com/office/drawing/2010/main" xmlns="" w="9525">
                     <a:solidFill>
                       <a:srgbClr val="000000"/>
                     </a:solidFill>
@@ -9140,7 +9141,7 @@
               </a:ln>
               <a:extLst>
                 <a:ext uri="{91240B29-F687-4f45-9708-019B960494DF}">
-                  <a14:hiddenLine xmlns="" xmlns:a14="http://schemas.microsoft.com/office/drawing/2010/main" w="9525">
+                  <a14:hiddenLine xmlns:a14="http://schemas.microsoft.com/office/drawing/2010/main" xmlns="" w="9525">
                     <a:solidFill>
                       <a:srgbClr val="000000"/>
                     </a:solidFill>
@@ -9230,7 +9231,7 @@
               </a:ln>
               <a:extLst>
                 <a:ext uri="{91240B29-F687-4f45-9708-019B960494DF}">
-                  <a14:hiddenLine xmlns="" xmlns:a14="http://schemas.microsoft.com/office/drawing/2010/main" w="9525">
+                  <a14:hiddenLine xmlns:a14="http://schemas.microsoft.com/office/drawing/2010/main" xmlns="" w="9525">
                     <a:solidFill>
                       <a:srgbClr val="000000"/>
                     </a:solidFill>
@@ -9292,7 +9293,7 @@
               </a:ln>
               <a:extLst>
                 <a:ext uri="{91240B29-F687-4f45-9708-019B960494DF}">
-                  <a14:hiddenLine xmlns="" xmlns:a14="http://schemas.microsoft.com/office/drawing/2010/main" w="9525">
+                  <a14:hiddenLine xmlns:a14="http://schemas.microsoft.com/office/drawing/2010/main" xmlns="" w="9525">
                     <a:solidFill>
                       <a:srgbClr val="000000"/>
                     </a:solidFill>
@@ -9382,7 +9383,7 @@
               </a:ln>
               <a:extLst>
                 <a:ext uri="{91240B29-F687-4f45-9708-019B960494DF}">
-                  <a14:hiddenLine xmlns="" xmlns:a14="http://schemas.microsoft.com/office/drawing/2010/main" w="9525">
+                  <a14:hiddenLine xmlns:a14="http://schemas.microsoft.com/office/drawing/2010/main" xmlns="" w="9525">
                     <a:solidFill>
                       <a:srgbClr val="000000"/>
                     </a:solidFill>
@@ -9444,7 +9445,7 @@
               </a:ln>
               <a:extLst>
                 <a:ext uri="{91240B29-F687-4f45-9708-019B960494DF}">
-                  <a14:hiddenLine xmlns="" xmlns:a14="http://schemas.microsoft.com/office/drawing/2010/main" w="9525">
+                  <a14:hiddenLine xmlns:a14="http://schemas.microsoft.com/office/drawing/2010/main" xmlns="" w="9525">
                     <a:solidFill>
                       <a:srgbClr val="000000"/>
                     </a:solidFill>
@@ -9506,7 +9507,7 @@
               </a:ln>
               <a:extLst>
                 <a:ext uri="{91240B29-F687-4f45-9708-019B960494DF}">
-                  <a14:hiddenLine xmlns="" xmlns:a14="http://schemas.microsoft.com/office/drawing/2010/main" w="9525">
+                  <a14:hiddenLine xmlns:a14="http://schemas.microsoft.com/office/drawing/2010/main" xmlns="" w="9525">
                     <a:solidFill>
                       <a:srgbClr val="000000"/>
                     </a:solidFill>
@@ -9596,7 +9597,7 @@
               </a:ln>
               <a:extLst>
                 <a:ext uri="{91240B29-F687-4f45-9708-019B960494DF}">
-                  <a14:hiddenLine xmlns="" xmlns:a14="http://schemas.microsoft.com/office/drawing/2010/main" w="9525">
+                  <a14:hiddenLine xmlns:a14="http://schemas.microsoft.com/office/drawing/2010/main" xmlns="" w="9525">
                     <a:solidFill>
                       <a:srgbClr val="000000"/>
                     </a:solidFill>
@@ -9686,7 +9687,7 @@
               </a:ln>
               <a:extLst>
                 <a:ext uri="{91240B29-F687-4f45-9708-019B960494DF}">
-                  <a14:hiddenLine xmlns="" xmlns:a14="http://schemas.microsoft.com/office/drawing/2010/main" w="9525">
+                  <a14:hiddenLine xmlns:a14="http://schemas.microsoft.com/office/drawing/2010/main" xmlns="" w="9525">
                     <a:solidFill>
                       <a:srgbClr val="000000"/>
                     </a:solidFill>
@@ -9748,7 +9749,7 @@
               </a:ln>
               <a:extLst>
                 <a:ext uri="{91240B29-F687-4f45-9708-019B960494DF}">
-                  <a14:hiddenLine xmlns="" xmlns:a14="http://schemas.microsoft.com/office/drawing/2010/main" w="9525">
+                  <a14:hiddenLine xmlns:a14="http://schemas.microsoft.com/office/drawing/2010/main" xmlns="" w="9525">
                     <a:solidFill>
                       <a:srgbClr val="000000"/>
                     </a:solidFill>
@@ -9858,7 +9859,7 @@
               </a:ln>
               <a:extLst>
                 <a:ext uri="{91240B29-F687-4f45-9708-019B960494DF}">
-                  <a14:hiddenLine xmlns="" xmlns:a14="http://schemas.microsoft.com/office/drawing/2010/main" w="9525">
+                  <a14:hiddenLine xmlns:a14="http://schemas.microsoft.com/office/drawing/2010/main" xmlns="" w="9525">
                     <a:solidFill>
                       <a:srgbClr val="000000"/>
                     </a:solidFill>
@@ -9942,7 +9943,7 @@
               </a:ln>
               <a:extLst>
                 <a:ext uri="{91240B29-F687-4f45-9708-019B960494DF}">
-                  <a14:hiddenLine xmlns="" xmlns:a14="http://schemas.microsoft.com/office/drawing/2010/main" w="9525">
+                  <a14:hiddenLine xmlns:a14="http://schemas.microsoft.com/office/drawing/2010/main" xmlns="" w="9525">
                     <a:solidFill>
                       <a:srgbClr val="000000"/>
                     </a:solidFill>
@@ -10004,7 +10005,7 @@
               </a:ln>
               <a:extLst>
                 <a:ext uri="{91240B29-F687-4f45-9708-019B960494DF}">
-                  <a14:hiddenLine xmlns="" xmlns:a14="http://schemas.microsoft.com/office/drawing/2010/main" w="9525">
+                  <a14:hiddenLine xmlns:a14="http://schemas.microsoft.com/office/drawing/2010/main" xmlns="" w="9525">
                     <a:solidFill>
                       <a:srgbClr val="000000"/>
                     </a:solidFill>
@@ -10066,7 +10067,7 @@
               </a:ln>
               <a:extLst>
                 <a:ext uri="{91240B29-F687-4f45-9708-019B960494DF}">
-                  <a14:hiddenLine xmlns="" xmlns:a14="http://schemas.microsoft.com/office/drawing/2010/main" w="9525">
+                  <a14:hiddenLine xmlns:a14="http://schemas.microsoft.com/office/drawing/2010/main" xmlns="" w="9525">
                     <a:solidFill>
                       <a:srgbClr val="000000"/>
                     </a:solidFill>
@@ -10156,7 +10157,7 @@
               </a:ln>
               <a:extLst>
                 <a:ext uri="{91240B29-F687-4f45-9708-019B960494DF}">
-                  <a14:hiddenLine xmlns="" xmlns:a14="http://schemas.microsoft.com/office/drawing/2010/main" w="9525">
+                  <a14:hiddenLine xmlns:a14="http://schemas.microsoft.com/office/drawing/2010/main" xmlns="" w="9525">
                     <a:solidFill>
                       <a:srgbClr val="000000"/>
                     </a:solidFill>
@@ -10190,7 +10191,7 @@
               </a:ln>
               <a:extLst>
                 <a:ext uri="{91240B29-F687-4f45-9708-019B960494DF}">
-                  <a14:hiddenLine xmlns="" xmlns:a14="http://schemas.microsoft.com/office/drawing/2010/main" w="9525">
+                  <a14:hiddenLine xmlns:a14="http://schemas.microsoft.com/office/drawing/2010/main" xmlns="" w="9525">
                     <a:solidFill>
                       <a:srgbClr val="000000"/>
                     </a:solidFill>
@@ -10255,7 +10256,7 @@
               </a:ln>
               <a:extLst>
                 <a:ext uri="{91240B29-F687-4f45-9708-019B960494DF}">
-                  <a14:hiddenLine xmlns="" xmlns:a14="http://schemas.microsoft.com/office/drawing/2010/main" w="9525">
+                  <a14:hiddenLine xmlns:a14="http://schemas.microsoft.com/office/drawing/2010/main" xmlns="" w="9525">
                     <a:solidFill>
                       <a:srgbClr val="000000"/>
                     </a:solidFill>
@@ -10345,7 +10346,7 @@
               </a:ln>
               <a:extLst>
                 <a:ext uri="{91240B29-F687-4f45-9708-019B960494DF}">
-                  <a14:hiddenLine xmlns="" xmlns:a14="http://schemas.microsoft.com/office/drawing/2010/main" w="9525">
+                  <a14:hiddenLine xmlns:a14="http://schemas.microsoft.com/office/drawing/2010/main" xmlns="" w="9525">
                     <a:solidFill>
                       <a:srgbClr val="000000"/>
                     </a:solidFill>
@@ -10407,7 +10408,7 @@
               </a:ln>
               <a:extLst>
                 <a:ext uri="{91240B29-F687-4f45-9708-019B960494DF}">
-                  <a14:hiddenLine xmlns="" xmlns:a14="http://schemas.microsoft.com/office/drawing/2010/main" w="9525">
+                  <a14:hiddenLine xmlns:a14="http://schemas.microsoft.com/office/drawing/2010/main" xmlns="" w="9525">
                     <a:solidFill>
                       <a:srgbClr val="000000"/>
                     </a:solidFill>
@@ -10497,7 +10498,7 @@
               </a:ln>
               <a:extLst>
                 <a:ext uri="{91240B29-F687-4f45-9708-019B960494DF}">
-                  <a14:hiddenLine xmlns="" xmlns:a14="http://schemas.microsoft.com/office/drawing/2010/main" w="9525">
+                  <a14:hiddenLine xmlns:a14="http://schemas.microsoft.com/office/drawing/2010/main" xmlns="" w="9525">
                     <a:solidFill>
                       <a:srgbClr val="000000"/>
                     </a:solidFill>
@@ -10562,7 +10563,7 @@
               </a:ln>
               <a:extLst>
                 <a:ext uri="{91240B29-F687-4f45-9708-019B960494DF}">
-                  <a14:hiddenLine xmlns="" xmlns:a14="http://schemas.microsoft.com/office/drawing/2010/main" w="9525">
+                  <a14:hiddenLine xmlns:a14="http://schemas.microsoft.com/office/drawing/2010/main" xmlns="" w="9525">
                     <a:solidFill>
                       <a:srgbClr val="000000"/>
                     </a:solidFill>
@@ -10624,7 +10625,7 @@
               </a:ln>
               <a:extLst>
                 <a:ext uri="{91240B29-F687-4f45-9708-019B960494DF}">
-                  <a14:hiddenLine xmlns="" xmlns:a14="http://schemas.microsoft.com/office/drawing/2010/main" w="9525">
+                  <a14:hiddenLine xmlns:a14="http://schemas.microsoft.com/office/drawing/2010/main" xmlns="" w="9525">
                     <a:solidFill>
                       <a:srgbClr val="000000"/>
                     </a:solidFill>
@@ -10714,7 +10715,7 @@
               </a:ln>
               <a:extLst>
                 <a:ext uri="{91240B29-F687-4f45-9708-019B960494DF}">
-                  <a14:hiddenLine xmlns="" xmlns:a14="http://schemas.microsoft.com/office/drawing/2010/main" w="9525">
+                  <a14:hiddenLine xmlns:a14="http://schemas.microsoft.com/office/drawing/2010/main" xmlns="" w="9525">
                     <a:solidFill>
                       <a:srgbClr val="000000"/>
                     </a:solidFill>
@@ -10804,7 +10805,7 @@
               </a:ln>
               <a:extLst>
                 <a:ext uri="{91240B29-F687-4f45-9708-019B960494DF}">
-                  <a14:hiddenLine xmlns="" xmlns:a14="http://schemas.microsoft.com/office/drawing/2010/main" w="9525">
+                  <a14:hiddenLine xmlns:a14="http://schemas.microsoft.com/office/drawing/2010/main" xmlns="" w="9525">
                     <a:solidFill>
                       <a:srgbClr val="000000"/>
                     </a:solidFill>
@@ -10869,7 +10870,7 @@
               </a:ln>
               <a:extLst>
                 <a:ext uri="{91240B29-F687-4f45-9708-019B960494DF}">
-                  <a14:hiddenLine xmlns="" xmlns:a14="http://schemas.microsoft.com/office/drawing/2010/main" w="9525">
+                  <a14:hiddenLine xmlns:a14="http://schemas.microsoft.com/office/drawing/2010/main" xmlns="" w="9525">
                     <a:solidFill>
                       <a:srgbClr val="000000"/>
                     </a:solidFill>
@@ -10989,7 +10990,7 @@
               </a:ln>
               <a:extLst>
                 <a:ext uri="{91240B29-F687-4f45-9708-019B960494DF}">
-                  <a14:hiddenLine xmlns="" xmlns:a14="http://schemas.microsoft.com/office/drawing/2010/main" w="9525">
+                  <a14:hiddenLine xmlns:a14="http://schemas.microsoft.com/office/drawing/2010/main" xmlns="" w="9525">
                     <a:solidFill>
                       <a:srgbClr val="000000"/>
                     </a:solidFill>
@@ -11087,7 +11088,7 @@
               </a:ln>
               <a:extLst>
                 <a:ext uri="{91240B29-F687-4f45-9708-019B960494DF}">
-                  <a14:hiddenLine xmlns="" xmlns:a14="http://schemas.microsoft.com/office/drawing/2010/main" w="9525">
+                  <a14:hiddenLine xmlns:a14="http://schemas.microsoft.com/office/drawing/2010/main" xmlns="" w="9525">
                     <a:solidFill>
                       <a:srgbClr val="000000"/>
                     </a:solidFill>
@@ -11202,7 +11203,7 @@
               </a:ln>
               <a:extLst>
                 <a:ext uri="{91240B29-F687-4f45-9708-019B960494DF}">
-                  <a14:hiddenLine xmlns="" xmlns:a14="http://schemas.microsoft.com/office/drawing/2010/main" w="9525">
+                  <a14:hiddenLine xmlns:a14="http://schemas.microsoft.com/office/drawing/2010/main" xmlns="" w="9525">
                     <a:solidFill>
                       <a:srgbClr val="000000"/>
                     </a:solidFill>
@@ -11292,7 +11293,7 @@
               </a:ln>
               <a:extLst>
                 <a:ext uri="{91240B29-F687-4f45-9708-019B960494DF}">
-                  <a14:hiddenLine xmlns="" xmlns:a14="http://schemas.microsoft.com/office/drawing/2010/main" w="9525">
+                  <a14:hiddenLine xmlns:a14="http://schemas.microsoft.com/office/drawing/2010/main" xmlns="" w="9525">
                     <a:solidFill>
                       <a:srgbClr val="000000"/>
                     </a:solidFill>
@@ -11357,7 +11358,7 @@
               </a:ln>
               <a:extLst>
                 <a:ext uri="{91240B29-F687-4f45-9708-019B960494DF}">
-                  <a14:hiddenLine xmlns="" xmlns:a14="http://schemas.microsoft.com/office/drawing/2010/main" w="9525">
+                  <a14:hiddenLine xmlns:a14="http://schemas.microsoft.com/office/drawing/2010/main" xmlns="" w="9525">
                     <a:solidFill>
                       <a:srgbClr val="000000"/>
                     </a:solidFill>
@@ -11447,7 +11448,7 @@
               </a:ln>
               <a:extLst>
                 <a:ext uri="{91240B29-F687-4f45-9708-019B960494DF}">
-                  <a14:hiddenLine xmlns="" xmlns:a14="http://schemas.microsoft.com/office/drawing/2010/main" w="9525">
+                  <a14:hiddenLine xmlns:a14="http://schemas.microsoft.com/office/drawing/2010/main" xmlns="" w="9525">
                     <a:solidFill>
                       <a:srgbClr val="000000"/>
                     </a:solidFill>
@@ -11515,7 +11516,7 @@
               </a:ln>
               <a:extLst>
                 <a:ext uri="{91240B29-F687-4f45-9708-019B960494DF}">
-                  <a14:hiddenLine xmlns="" xmlns:a14="http://schemas.microsoft.com/office/drawing/2010/main" w="9525">
+                  <a14:hiddenLine xmlns:a14="http://schemas.microsoft.com/office/drawing/2010/main" xmlns="" w="9525">
                     <a:solidFill>
                       <a:srgbClr val="000000"/>
                     </a:solidFill>
@@ -11605,7 +11606,7 @@
               </a:ln>
               <a:extLst>
                 <a:ext uri="{91240B29-F687-4f45-9708-019B960494DF}">
-                  <a14:hiddenLine xmlns="" xmlns:a14="http://schemas.microsoft.com/office/drawing/2010/main" w="9525">
+                  <a14:hiddenLine xmlns:a14="http://schemas.microsoft.com/office/drawing/2010/main" xmlns="" w="9525">
                     <a:solidFill>
                       <a:srgbClr val="000000"/>
                     </a:solidFill>
@@ -11673,7 +11674,7 @@
               </a:ln>
               <a:extLst>
                 <a:ext uri="{91240B29-F687-4f45-9708-019B960494DF}">
-                  <a14:hiddenLine xmlns="" xmlns:a14="http://schemas.microsoft.com/office/drawing/2010/main" w="9525">
+                  <a14:hiddenLine xmlns:a14="http://schemas.microsoft.com/office/drawing/2010/main" xmlns="" w="9525">
                     <a:solidFill>
                       <a:srgbClr val="000000"/>
                     </a:solidFill>
@@ -11763,7 +11764,7 @@
               </a:ln>
               <a:extLst>
                 <a:ext uri="{91240B29-F687-4f45-9708-019B960494DF}">
-                  <a14:hiddenLine xmlns="" xmlns:a14="http://schemas.microsoft.com/office/drawing/2010/main" w="9525">
+                  <a14:hiddenLine xmlns:a14="http://schemas.microsoft.com/office/drawing/2010/main" xmlns="" w="9525">
                     <a:solidFill>
                       <a:srgbClr val="000000"/>
                     </a:solidFill>
@@ -11797,7 +11798,7 @@
               </a:ln>
               <a:extLst>
                 <a:ext uri="{91240B29-F687-4f45-9708-019B960494DF}">
-                  <a14:hiddenLine xmlns="" xmlns:a14="http://schemas.microsoft.com/office/drawing/2010/main" w="9525">
+                  <a14:hiddenLine xmlns:a14="http://schemas.microsoft.com/office/drawing/2010/main" xmlns="" w="9525">
                     <a:solidFill>
                       <a:srgbClr val="000000"/>
                     </a:solidFill>
@@ -11938,7 +11939,7 @@
             <a:fld id="{48A87A34-81AB-432B-8DAE-1953F412C126}" type="datetimeFigureOut">
               <a:rPr lang="en-US"/>
               <a:pPr/>
-              <a:t>8/18/2024</a:t>
+              <a:t>9/2/2024</a:t>
             </a:fld>
             <a:endParaRPr lang="en-US"/>
           </a:p>
@@ -13330,6 +13331,82 @@
 </p:sld>
 </file>
 
+<file path=ppt/slides/slide13.xml><?xml version="1.0" encoding="utf-8"?>
+<p:sld xmlns:a="http://schemas.openxmlformats.org/drawingml/2006/main" xmlns:r="http://schemas.openxmlformats.org/officeDocument/2006/relationships" xmlns:p="http://schemas.openxmlformats.org/presentationml/2006/main">
+  <p:cSld>
+    <p:spTree>
+      <p:nvGrpSpPr>
+        <p:cNvPr id="1" name=""/>
+        <p:cNvGrpSpPr/>
+        <p:nvPr/>
+      </p:nvGrpSpPr>
+      <p:grpSpPr>
+        <a:xfrm>
+          <a:off x="0" y="0"/>
+          <a:ext cx="0" cy="0"/>
+          <a:chOff x="0" y="0"/>
+          <a:chExt cx="0" cy="0"/>
+        </a:xfrm>
+      </p:grpSpPr>
+      <p:sp>
+        <p:nvSpPr>
+          <p:cNvPr id="4" name="TextBox 3">
+            <a:extLst>
+              <a:ext uri="{FF2B5EF4-FFF2-40B4-BE49-F238E27FC236}">
+                <a16:creationId xmlns:a16="http://schemas.microsoft.com/office/drawing/2014/main" id="{DB55F832-7E25-45A6-B886-B2254C1C8519}"/>
+              </a:ext>
+            </a:extLst>
+          </p:cNvPr>
+          <p:cNvSpPr txBox="1"/>
+          <p:nvPr/>
+        </p:nvSpPr>
+        <p:spPr>
+          <a:xfrm>
+            <a:off x="2997199" y="2921168"/>
+            <a:ext cx="6197601" cy="1015663"/>
+          </a:xfrm>
+          <a:prstGeom prst="rect">
+            <a:avLst/>
+          </a:prstGeom>
+          <a:noFill/>
+        </p:spPr>
+        <p:txBody>
+          <a:bodyPr wrap="square" rtlCol="0">
+            <a:spAutoFit/>
+          </a:bodyPr>
+          <a:lstStyle/>
+          <a:p>
+            <a:r>
+              <a:rPr lang="en-ID" sz="6000" b="1">
+                <a:latin typeface="Arial" panose="020B0604020202020204" pitchFamily="34" charset="0"/>
+                <a:ea typeface="Roboto"/>
+                <a:cs typeface="Arial" panose="020B0604020202020204" pitchFamily="34" charset="0"/>
+                <a:sym typeface="Roboto"/>
+              </a:rPr>
+              <a:t>TERIMA KASIH!!</a:t>
+            </a:r>
+            <a:endParaRPr lang="en-ID" sz="5400">
+              <a:latin typeface="Arial" panose="020B0604020202020204" pitchFamily="34" charset="0"/>
+              <a:ea typeface="Roboto"/>
+              <a:cs typeface="Arial" panose="020B0604020202020204" pitchFamily="34" charset="0"/>
+              <a:sym typeface="Roboto"/>
+            </a:endParaRPr>
+          </a:p>
+        </p:txBody>
+      </p:sp>
+    </p:spTree>
+    <p:extLst>
+      <p:ext uri="{BB962C8B-B14F-4D97-AF65-F5344CB8AC3E}">
+        <p14:creationId xmlns:p14="http://schemas.microsoft.com/office/powerpoint/2010/main" val="1962715593"/>
+      </p:ext>
+    </p:extLst>
+  </p:cSld>
+  <p:clrMapOvr>
+    <a:masterClrMapping/>
+  </p:clrMapOvr>
+</p:sld>
+</file>
+
 <file path=ppt/slides/slide2.xml><?xml version="1.0" encoding="utf-8"?>
 <p:sld xmlns:a="http://schemas.openxmlformats.org/drawingml/2006/main" xmlns:r="http://schemas.openxmlformats.org/officeDocument/2006/relationships" xmlns:p="http://schemas.openxmlformats.org/presentationml/2006/main">
   <p:cSld>
